--- a/ProjetoPosto.pptx
+++ b/ProjetoPosto.pptx
@@ -114,14 +114,6 @@
     </p:ext>
   </p:extLst>
 </p:presentation>
-</file>
-
-<file path=ppt/revisionInfo.xml><?xml version="1.0" encoding="utf-8"?>
-<p1510:revInfo xmlns:a="http://schemas.openxmlformats.org/drawingml/2006/main" xmlns:r="http://schemas.openxmlformats.org/officeDocument/2006/relationships" xmlns:p1510="http://schemas.microsoft.com/office/powerpoint/2015/10/main">
-  <p1510:revLst>
-    <p1510:client id="{87BC108F-2AB8-48DA-AB49-F9E86BDDFE2F}" v="6" dt="2018-08-08T09:06:44.784"/>
-  </p1510:revLst>
-</p1510:revInfo>
 </file>
 
 <file path=ppt/slideLayouts/slideLayout1.xml><?xml version="1.0" encoding="utf-8"?>
@@ -4099,7 +4091,7 @@
         </p:style>
         <p:txBody>
           <a:bodyPr wrap="none" lIns="0" rtlCol="0" anchor="ctr" anchorCtr="0">
-            <a:normAutofit/>
+            <a:normAutofit fontScale="92500" lnSpcReduction="10000"/>
           </a:bodyPr>
           <a:lstStyle>
             <a:lvl1pPr marL="0" indent="0">
@@ -4195,13 +4187,21 @@
           </a:lstStyle>
           <a:p>
             <a:r>
-              <a:rPr lang="en-US" sz="1200" b="0" i="0" baseline="0">
+              <a:rPr lang="en-US" sz="1800" dirty="0">
                 <a:latin typeface="Segoe UI Semibold" panose="020B0702040204020203" pitchFamily="34" charset="0"/>
                 <a:cs typeface="Segoe UI Semibold" panose="020B0702040204020203" pitchFamily="34" charset="0"/>
               </a:rPr>
-              <a:t>Na guia Inserir</a:t>
-            </a:r>
-            <a:endParaRPr lang="en-US" sz="1200" b="0" i="0">
+              <a:t>URL DO PROJETO - </a:t>
+            </a:r>
+            <a:r>
+              <a:rPr lang="en-US" sz="1800" dirty="0">
+                <a:latin typeface="Segoe UI Semibold" panose="020B0702040204020203" pitchFamily="34" charset="0"/>
+                <a:cs typeface="Segoe UI Semibold" panose="020B0702040204020203" pitchFamily="34" charset="0"/>
+                <a:hlinkClick r:id="rId4"/>
+              </a:rPr>
+              <a:t>https://bit.ly/3yAvabF</a:t>
+            </a:r>
+            <a:endParaRPr lang="en-US" sz="1800" b="0" i="0" dirty="0">
               <a:latin typeface="Segoe UI Semibold" panose="020B0702040204020203" pitchFamily="34" charset="0"/>
               <a:cs typeface="Segoe UI Semibold" panose="020B0702040204020203" pitchFamily="34" charset="0"/>
             </a:endParaRPr>
@@ -4557,7 +4557,7 @@
           <p:nvPr/>
         </p:nvPicPr>
         <p:blipFill>
-          <a:blip r:embed="rId4"/>
+          <a:blip r:embed="rId5"/>
           <a:stretch>
             <a:fillRect/>
           </a:stretch>
